--- a/02_CMake/CMake.pptx
+++ b/02_CMake/CMake.pptx
@@ -6,7 +6,7 @@
     <p:sldMasterId id="2147483659" r:id="rId2"/>
   </p:sldMasterIdLst>
   <p:notesMasterIdLst>
-    <p:notesMasterId r:id="rId27"/>
+    <p:notesMasterId r:id="rId28"/>
   </p:notesMasterIdLst>
   <p:sldIdLst>
     <p:sldId id="257" r:id="rId3"/>
@@ -32,7 +32,8 @@
     <p:sldId id="318" r:id="rId23"/>
     <p:sldId id="319" r:id="rId24"/>
     <p:sldId id="320" r:id="rId25"/>
-    <p:sldId id="298" r:id="rId26"/>
+    <p:sldId id="287" r:id="rId26"/>
+    <p:sldId id="298" r:id="rId27"/>
   </p:sldIdLst>
   <p:sldSz cx="12192000" cy="6858000"/>
   <p:notesSz cx="6858000" cy="9144000"/>
@@ -224,7 +225,7 @@
           <a:p>
             <a:fld id="{C046E460-515B-405C-84D9-50DA61025AFE}" type="datetimeFigureOut">
               <a:rPr lang="en-US" smtClean="0"/>
-              <a:t>13-Mar-17</a:t>
+              <a:t>22-Aug-18</a:t>
             </a:fld>
             <a:endParaRPr lang="en-US"/>
           </a:p>
@@ -644,11 +645,11 @@
           <a:lstStyle/>
           <a:p>
             <a:r>
-              <a:rPr lang="en-US" dirty="0" smtClean="0"/>
+              <a:rPr lang="en-US" dirty="0"/>
               <a:t>What could</a:t>
             </a:r>
             <a:r>
-              <a:rPr lang="en-US" baseline="0" dirty="0" smtClean="0"/>
+              <a:rPr lang="en-US" baseline="0" dirty="0"/>
               <a:t> they possible do?</a:t>
             </a:r>
             <a:endParaRPr lang="en-US" dirty="0"/>
@@ -939,7 +940,7 @@
             <a:fld id="{3A58E68A-A204-413D-96F6-8F1149D77122}" type="datetimeFigureOut">
               <a:rPr lang="en-US" smtClean="0"/>
               <a:pPr/>
-              <a:t>13-Mar-17</a:t>
+              <a:t>22-Aug-18</a:t>
             </a:fld>
             <a:endParaRPr lang="en-US"/>
           </a:p>
@@ -1082,7 +1083,7 @@
           <a:p>
             <a:fld id="{3A58E68A-A204-413D-96F6-8F1149D77122}" type="datetimeFigureOut">
               <a:rPr lang="en-US" smtClean="0"/>
-              <a:t>13-Mar-17</a:t>
+              <a:t>22-Aug-18</a:t>
             </a:fld>
             <a:endParaRPr lang="en-US"/>
           </a:p>
@@ -6782,38 +6783,52 @@
           <a:lstStyle/>
           <a:p>
             <a:r>
-              <a:rPr lang="en-US" dirty="0" smtClean="0"/>
+              <a:rPr lang="en-US" dirty="0"/>
               <a:t>CMake commands to keep in mind</a:t>
             </a:r>
+          </a:p>
+        </p:txBody>
+      </p:sp>
+      <p:sp>
+        <p:nvSpPr>
+          <p:cNvPr id="3" name="Content Placeholder 2"/>
+          <p:cNvSpPr>
+            <a:spLocks noGrp="1"/>
+          </p:cNvSpPr>
+          <p:nvPr>
+            <p:ph idx="1"/>
+          </p:nvPr>
+        </p:nvSpPr>
+        <p:spPr/>
+        <p:txBody>
+          <a:bodyPr/>
+          <a:lstStyle/>
+          <a:p>
+            <a:pPr marL="0" indent="0">
+              <a:buNone/>
+            </a:pPr>
+            <a:r>
+              <a:rPr lang="en-US" b="1" dirty="0">
+                <a:solidFill>
+                  <a:srgbClr val="002060"/>
+                </a:solidFill>
+              </a:rPr>
+              <a:t>FIND_PACKAGE( )</a:t>
+            </a:r>
+          </a:p>
+          <a:p>
+            <a:pPr marL="0" indent="0">
+              <a:buNone/>
+            </a:pPr>
             <a:endParaRPr lang="en-US" dirty="0"/>
           </a:p>
-        </p:txBody>
-      </p:sp>
-      <p:sp>
-        <p:nvSpPr>
-          <p:cNvPr id="3" name="Content Placeholder 2"/>
-          <p:cNvSpPr>
-            <a:spLocks noGrp="1"/>
-          </p:cNvSpPr>
-          <p:nvPr>
-            <p:ph idx="1"/>
-          </p:nvPr>
-        </p:nvSpPr>
-        <p:spPr/>
-        <p:txBody>
-          <a:bodyPr/>
-          <a:lstStyle/>
-          <a:p>
-            <a:pPr marL="0" indent="0">
-              <a:buNone/>
-            </a:pPr>
-            <a:r>
-              <a:rPr lang="en-US" b="1" dirty="0" smtClean="0">
-                <a:solidFill>
-                  <a:srgbClr val="002060"/>
-                </a:solidFill>
-              </a:rPr>
-              <a:t>FIND_PACKAGE( )</a:t>
+          <a:p>
+            <a:pPr marL="0" indent="0">
+              <a:buNone/>
+            </a:pPr>
+            <a:r>
+              <a:rPr lang="en-US" dirty="0"/>
+              <a:t>https://cmake.org/cmake/help/v3.3/command/find_package.html?highlight=find_package</a:t>
             </a:r>
           </a:p>
           <a:p>
@@ -6826,26 +6841,6 @@
             <a:pPr marL="0" indent="0">
               <a:buNone/>
             </a:pPr>
-            <a:r>
-              <a:rPr lang="en-US" dirty="0" smtClean="0"/>
-              <a:t>https</a:t>
-            </a:r>
-            <a:r>
-              <a:rPr lang="en-US" dirty="0"/>
-              <a:t>://cmake.org/cmake/help/v3.3/command/find_package.html?highlight=find_package</a:t>
-            </a:r>
-            <a:endParaRPr lang="en-US" dirty="0" smtClean="0"/>
-          </a:p>
-          <a:p>
-            <a:pPr marL="0" indent="0">
-              <a:buNone/>
-            </a:pPr>
-            <a:endParaRPr lang="en-US" dirty="0" smtClean="0"/>
-          </a:p>
-          <a:p>
-            <a:pPr marL="0" indent="0">
-              <a:buNone/>
-            </a:pPr>
             <a:endParaRPr lang="en-US" dirty="0"/>
           </a:p>
           <a:p>
@@ -6853,7 +6848,7 @@
               <a:buNone/>
             </a:pPr>
             <a:r>
-              <a:rPr lang="en-US" b="1" dirty="0" smtClean="0">
+              <a:rPr lang="en-US" b="1" dirty="0">
                 <a:solidFill>
                   <a:srgbClr val="002060"/>
                 </a:solidFill>
@@ -6925,21 +6920,16 @@
           <a:p>
             <a:r>
               <a:rPr lang="en-US" dirty="0"/>
-              <a:t>/</a:t>
-            </a:r>
-            <a:r>
-              <a:rPr lang="en-US" dirty="0" smtClean="0"/>
-              <a:t>code/</a:t>
-            </a:r>
-            <a:r>
-              <a:rPr lang="en-US" dirty="0" err="1" smtClean="0"/>
+              <a:t>/code/</a:t>
+            </a:r>
+            <a:r>
+              <a:rPr lang="en-US" dirty="0" err="1"/>
               <a:t>src</a:t>
             </a:r>
             <a:r>
-              <a:rPr lang="en-US" dirty="0" smtClean="0"/>
+              <a:rPr lang="en-US" dirty="0"/>
               <a:t>/main.cxx</a:t>
             </a:r>
-            <a:endParaRPr lang="en-US" dirty="0"/>
           </a:p>
         </p:txBody>
       </p:sp>
@@ -8168,6 +8158,131 @@
 </file>
 
 <file path=ppt/slides/slide24.xml><?xml version="1.0" encoding="utf-8"?>
+<p:sld xmlns:a="http://schemas.openxmlformats.org/drawingml/2006/main" xmlns:r="http://schemas.openxmlformats.org/officeDocument/2006/relationships" xmlns:p="http://schemas.openxmlformats.org/presentationml/2006/main">
+  <p:cSld>
+    <p:spTree>
+      <p:nvGrpSpPr>
+        <p:cNvPr id="1" name=""/>
+        <p:cNvGrpSpPr/>
+        <p:nvPr/>
+      </p:nvGrpSpPr>
+      <p:grpSpPr>
+        <a:xfrm>
+          <a:off x="0" y="0"/>
+          <a:ext cx="0" cy="0"/>
+          <a:chOff x="0" y="0"/>
+          <a:chExt cx="0" cy="0"/>
+        </a:xfrm>
+      </p:grpSpPr>
+      <p:sp>
+        <p:nvSpPr>
+          <p:cNvPr id="2" name="Title 1">
+            <a:extLst>
+              <a:ext uri="{FF2B5EF4-FFF2-40B4-BE49-F238E27FC236}">
+                <a16:creationId xmlns:a16="http://schemas.microsoft.com/office/drawing/2014/main" id="{1FEB19C1-81BB-4C07-B789-FEDCC4DB1F93}"/>
+              </a:ext>
+            </a:extLst>
+          </p:cNvPr>
+          <p:cNvSpPr>
+            <a:spLocks noGrp="1"/>
+          </p:cNvSpPr>
+          <p:nvPr>
+            <p:ph type="title"/>
+          </p:nvPr>
+        </p:nvSpPr>
+        <p:spPr/>
+        <p:txBody>
+          <a:bodyPr/>
+          <a:lstStyle/>
+          <a:p>
+            <a:r>
+              <a:rPr lang="en-US" dirty="0"/>
+              <a:t>ITK/OpenCV Setup</a:t>
+            </a:r>
+          </a:p>
+        </p:txBody>
+      </p:sp>
+      <p:sp>
+        <p:nvSpPr>
+          <p:cNvPr id="3" name="Content Placeholder 2">
+            <a:extLst>
+              <a:ext uri="{FF2B5EF4-FFF2-40B4-BE49-F238E27FC236}">
+                <a16:creationId xmlns:a16="http://schemas.microsoft.com/office/drawing/2014/main" id="{76D2ED6F-BCBE-4523-B22A-1E2DDB82E4D5}"/>
+              </a:ext>
+            </a:extLst>
+          </p:cNvPr>
+          <p:cNvSpPr>
+            <a:spLocks noGrp="1"/>
+          </p:cNvSpPr>
+          <p:nvPr>
+            <p:ph idx="1"/>
+          </p:nvPr>
+        </p:nvSpPr>
+        <p:spPr/>
+        <p:txBody>
+          <a:bodyPr/>
+          <a:lstStyle/>
+          <a:p>
+            <a:pPr marL="0" indent="0">
+              <a:buNone/>
+            </a:pPr>
+            <a:r>
+              <a:rPr lang="en-US" dirty="0"/>
+              <a:t>Once your compiler has been set up,</a:t>
+            </a:r>
+          </a:p>
+          <a:p>
+            <a:pPr marL="0" indent="0">
+              <a:buNone/>
+            </a:pPr>
+            <a:endParaRPr lang="en-US" dirty="0"/>
+          </a:p>
+          <a:p>
+            <a:pPr marL="0" indent="0">
+              <a:buNone/>
+            </a:pPr>
+            <a:r>
+              <a:rPr lang="en-US" dirty="0"/>
+              <a:t>Please use the following branch to build the dependencies for ITK and OpenCV:</a:t>
+            </a:r>
+          </a:p>
+          <a:p>
+            <a:pPr marL="0" indent="0">
+              <a:buNone/>
+            </a:pPr>
+            <a:endParaRPr lang="en-US" dirty="0"/>
+          </a:p>
+          <a:p>
+            <a:pPr marL="0" indent="0">
+              <a:buNone/>
+            </a:pPr>
+            <a:r>
+              <a:rPr lang="en-US" dirty="0">
+                <a:hlinkClick r:id="rId2"/>
+              </a:rPr>
+              <a:t>https://github.com/CBICA/CaPTk/tree/dependency_manager</a:t>
+            </a:r>
+            <a:r>
+              <a:rPr lang="en-US" dirty="0"/>
+              <a:t> </a:t>
+            </a:r>
+          </a:p>
+        </p:txBody>
+      </p:sp>
+    </p:spTree>
+    <p:extLst>
+      <p:ext uri="{BB962C8B-B14F-4D97-AF65-F5344CB8AC3E}">
+        <p14:creationId xmlns:p14="http://schemas.microsoft.com/office/powerpoint/2010/main" val="571997288"/>
+      </p:ext>
+    </p:extLst>
+  </p:cSld>
+  <p:clrMapOvr>
+    <a:masterClrMapping/>
+  </p:clrMapOvr>
+</p:sld>
+</file>
+
+<file path=ppt/slides/slide25.xml><?xml version="1.0" encoding="utf-8"?>
 <p:sld xmlns:a="http://schemas.openxmlformats.org/drawingml/2006/main" xmlns:r="http://schemas.openxmlformats.org/officeDocument/2006/relationships" xmlns:p="http://schemas.openxmlformats.org/presentationml/2006/main">
   <p:cSld>
     <p:spTree>
